--- a/Settings/icon/IconEditor/tool_.pptx
+++ b/Settings/icon/IconEditor/tool_.pptx
@@ -2,7 +2,7 @@
 <file path=ppt/presentation.xml><?xml version="1.0" encoding="utf-8"?>
 <p:presentation xmlns:a="http://schemas.openxmlformats.org/drawingml/2006/main" xmlns:r="http://schemas.openxmlformats.org/officeDocument/2006/relationships" xmlns:p="http://schemas.openxmlformats.org/presentationml/2006/main" saveSubsetFonts="1">
   <p:sldMasterIdLst>
-    <p:sldMasterId id="2147483660" r:id="rId1"/>
+    <p:sldMasterId id="2147483672" r:id="rId1"/>
   </p:sldMasterIdLst>
   <p:notesMasterIdLst>
     <p:notesMasterId r:id="rId12"/>
@@ -19,7 +19,7 @@
     <p:sldId id="263" r:id="rId10"/>
     <p:sldId id="264" r:id="rId11"/>
   </p:sldIdLst>
-  <p:sldSz cx="914400" cy="914400"/>
+  <p:sldSz cx="1371600" cy="1371600"/>
   <p:notesSz cx="6858000" cy="9144000"/>
   <p:defaultTextStyle>
     <a:defPPr>
@@ -224,7 +224,7 @@
           <a:p>
             <a:fld id="{F4A3CB7E-2EE0-473A-88F3-ED6D0CD208B9}" type="datetimeFigureOut">
               <a:rPr lang="zh-CN" altLang="en-US" smtClean="0"/>
-              <a:t>2023-5-7</a:t>
+              <a:t>2023-5-18</a:t>
             </a:fld>
             <a:endParaRPr lang="zh-CN" altLang="en-US"/>
           </a:p>
@@ -397,8 +397,8 @@
   </p:cSld>
   <p:clrMap bg1="lt1" tx1="dk1" bg2="lt2" tx2="dk2" accent1="accent1" accent2="accent2" accent3="accent3" accent4="accent4" accent5="accent5" accent6="accent6" hlink="hlink" folHlink="folHlink"/>
   <p:notesStyle>
-    <a:lvl1pPr marL="0" algn="l" defTabSz="914400" rtl="0" eaLnBrk="1" latinLnBrk="0" hangingPunct="1">
-      <a:defRPr sz="1200" kern="1200">
+    <a:lvl1pPr marL="0" algn="l" defTabSz="1371600" rtl="0" eaLnBrk="1" latinLnBrk="0" hangingPunct="1">
+      <a:defRPr sz="1800" kern="1200">
         <a:solidFill>
           <a:schemeClr val="tx1"/>
         </a:solidFill>
@@ -407,8 +407,8 @@
         <a:cs typeface="+mn-cs"/>
       </a:defRPr>
     </a:lvl1pPr>
-    <a:lvl2pPr marL="457200" algn="l" defTabSz="914400" rtl="0" eaLnBrk="1" latinLnBrk="0" hangingPunct="1">
-      <a:defRPr sz="1200" kern="1200">
+    <a:lvl2pPr marL="685800" algn="l" defTabSz="1371600" rtl="0" eaLnBrk="1" latinLnBrk="0" hangingPunct="1">
+      <a:defRPr sz="1800" kern="1200">
         <a:solidFill>
           <a:schemeClr val="tx1"/>
         </a:solidFill>
@@ -417,8 +417,8 @@
         <a:cs typeface="+mn-cs"/>
       </a:defRPr>
     </a:lvl2pPr>
-    <a:lvl3pPr marL="914400" algn="l" defTabSz="914400" rtl="0" eaLnBrk="1" latinLnBrk="0" hangingPunct="1">
-      <a:defRPr sz="1200" kern="1200">
+    <a:lvl3pPr marL="1371600" algn="l" defTabSz="1371600" rtl="0" eaLnBrk="1" latinLnBrk="0" hangingPunct="1">
+      <a:defRPr sz="1800" kern="1200">
         <a:solidFill>
           <a:schemeClr val="tx1"/>
         </a:solidFill>
@@ -427,8 +427,8 @@
         <a:cs typeface="+mn-cs"/>
       </a:defRPr>
     </a:lvl3pPr>
-    <a:lvl4pPr marL="1371600" algn="l" defTabSz="914400" rtl="0" eaLnBrk="1" latinLnBrk="0" hangingPunct="1">
-      <a:defRPr sz="1200" kern="1200">
+    <a:lvl4pPr marL="2057400" algn="l" defTabSz="1371600" rtl="0" eaLnBrk="1" latinLnBrk="0" hangingPunct="1">
+      <a:defRPr sz="1800" kern="1200">
         <a:solidFill>
           <a:schemeClr val="tx1"/>
         </a:solidFill>
@@ -437,8 +437,8 @@
         <a:cs typeface="+mn-cs"/>
       </a:defRPr>
     </a:lvl4pPr>
-    <a:lvl5pPr marL="1828800" algn="l" defTabSz="914400" rtl="0" eaLnBrk="1" latinLnBrk="0" hangingPunct="1">
-      <a:defRPr sz="1200" kern="1200">
+    <a:lvl5pPr marL="2743200" algn="l" defTabSz="1371600" rtl="0" eaLnBrk="1" latinLnBrk="0" hangingPunct="1">
+      <a:defRPr sz="1800" kern="1200">
         <a:solidFill>
           <a:schemeClr val="tx1"/>
         </a:solidFill>
@@ -447,8 +447,8 @@
         <a:cs typeface="+mn-cs"/>
       </a:defRPr>
     </a:lvl5pPr>
-    <a:lvl6pPr marL="2286000" algn="l" defTabSz="914400" rtl="0" eaLnBrk="1" latinLnBrk="0" hangingPunct="1">
-      <a:defRPr sz="1200" kern="1200">
+    <a:lvl6pPr marL="3429000" algn="l" defTabSz="1371600" rtl="0" eaLnBrk="1" latinLnBrk="0" hangingPunct="1">
+      <a:defRPr sz="1800" kern="1200">
         <a:solidFill>
           <a:schemeClr val="tx1"/>
         </a:solidFill>
@@ -457,8 +457,8 @@
         <a:cs typeface="+mn-cs"/>
       </a:defRPr>
     </a:lvl6pPr>
-    <a:lvl7pPr marL="2743200" algn="l" defTabSz="914400" rtl="0" eaLnBrk="1" latinLnBrk="0" hangingPunct="1">
-      <a:defRPr sz="1200" kern="1200">
+    <a:lvl7pPr marL="4114800" algn="l" defTabSz="1371600" rtl="0" eaLnBrk="1" latinLnBrk="0" hangingPunct="1">
+      <a:defRPr sz="1800" kern="1200">
         <a:solidFill>
           <a:schemeClr val="tx1"/>
         </a:solidFill>
@@ -467,8 +467,8 @@
         <a:cs typeface="+mn-cs"/>
       </a:defRPr>
     </a:lvl7pPr>
-    <a:lvl8pPr marL="3200400" algn="l" defTabSz="914400" rtl="0" eaLnBrk="1" latinLnBrk="0" hangingPunct="1">
-      <a:defRPr sz="1200" kern="1200">
+    <a:lvl8pPr marL="4800600" algn="l" defTabSz="1371600" rtl="0" eaLnBrk="1" latinLnBrk="0" hangingPunct="1">
+      <a:defRPr sz="1800" kern="1200">
         <a:solidFill>
           <a:schemeClr val="tx1"/>
         </a:solidFill>
@@ -477,8 +477,8 @@
         <a:cs typeface="+mn-cs"/>
       </a:defRPr>
     </a:lvl8pPr>
-    <a:lvl9pPr marL="3657600" algn="l" defTabSz="914400" rtl="0" eaLnBrk="1" latinLnBrk="0" hangingPunct="1">
-      <a:defRPr sz="1200" kern="1200">
+    <a:lvl9pPr marL="5486400" algn="l" defTabSz="1371600" rtl="0" eaLnBrk="1" latinLnBrk="0" hangingPunct="1">
+      <a:defRPr sz="1800" kern="1200">
         <a:solidFill>
           <a:schemeClr val="tx1"/>
         </a:solidFill>
@@ -1417,15 +1417,15 @@
         </p:nvSpPr>
         <p:spPr>
           <a:xfrm>
-            <a:off x="68580" y="149648"/>
-            <a:ext cx="777240" cy="318347"/>
+            <a:off x="102870" y="224473"/>
+            <a:ext cx="1165860" cy="477520"/>
           </a:xfrm>
         </p:spPr>
         <p:txBody>
           <a:bodyPr anchor="b"/>
           <a:lstStyle>
             <a:lvl1pPr algn="ctr">
-              <a:defRPr sz="600"/>
+              <a:defRPr sz="900"/>
             </a:lvl1pPr>
           </a:lstStyle>
           <a:p>
@@ -1449,8 +1449,8 @@
         </p:nvSpPr>
         <p:spPr>
           <a:xfrm>
-            <a:off x="114300" y="480272"/>
-            <a:ext cx="685800" cy="220768"/>
+            <a:off x="171450" y="720408"/>
+            <a:ext cx="1028700" cy="331152"/>
           </a:xfrm>
         </p:spPr>
         <p:txBody>
@@ -1458,39 +1458,39 @@
           <a:lstStyle>
             <a:lvl1pPr marL="0" indent="0" algn="ctr">
               <a:buNone/>
+              <a:defRPr sz="360"/>
+            </a:lvl1pPr>
+            <a:lvl2pPr marL="68580" indent="0" algn="ctr">
+              <a:buNone/>
+              <a:defRPr sz="300"/>
+            </a:lvl2pPr>
+            <a:lvl3pPr marL="137160" indent="0" algn="ctr">
+              <a:buNone/>
+              <a:defRPr sz="270"/>
+            </a:lvl3pPr>
+            <a:lvl4pPr marL="205740" indent="0" algn="ctr">
+              <a:buNone/>
               <a:defRPr sz="240"/>
-            </a:lvl1pPr>
-            <a:lvl2pPr marL="45720" indent="0" algn="ctr">
-              <a:buNone/>
-              <a:defRPr sz="200"/>
-            </a:lvl2pPr>
-            <a:lvl3pPr marL="91440" indent="0" algn="ctr">
-              <a:buNone/>
-              <a:defRPr sz="180"/>
-            </a:lvl3pPr>
-            <a:lvl4pPr marL="137160" indent="0" algn="ctr">
-              <a:buNone/>
-              <a:defRPr sz="160"/>
             </a:lvl4pPr>
-            <a:lvl5pPr marL="182880" indent="0" algn="ctr">
-              <a:buNone/>
-              <a:defRPr sz="160"/>
+            <a:lvl5pPr marL="274320" indent="0" algn="ctr">
+              <a:buNone/>
+              <a:defRPr sz="240"/>
             </a:lvl5pPr>
-            <a:lvl6pPr marL="228600" indent="0" algn="ctr">
-              <a:buNone/>
-              <a:defRPr sz="160"/>
+            <a:lvl6pPr marL="342900" indent="0" algn="ctr">
+              <a:buNone/>
+              <a:defRPr sz="240"/>
             </a:lvl6pPr>
-            <a:lvl7pPr marL="274320" indent="0" algn="ctr">
-              <a:buNone/>
-              <a:defRPr sz="160"/>
+            <a:lvl7pPr marL="411480" indent="0" algn="ctr">
+              <a:buNone/>
+              <a:defRPr sz="240"/>
             </a:lvl7pPr>
-            <a:lvl8pPr marL="320040" indent="0" algn="ctr">
-              <a:buNone/>
-              <a:defRPr sz="160"/>
+            <a:lvl8pPr marL="480060" indent="0" algn="ctr">
+              <a:buNone/>
+              <a:defRPr sz="240"/>
             </a:lvl8pPr>
-            <a:lvl9pPr marL="365760" indent="0" algn="ctr">
-              <a:buNone/>
-              <a:defRPr sz="160"/>
+            <a:lvl9pPr marL="548640" indent="0" algn="ctr">
+              <a:buNone/>
+              <a:defRPr sz="240"/>
             </a:lvl9pPr>
           </a:lstStyle>
           <a:p>
@@ -1519,7 +1519,7 @@
           <a:p>
             <a:fld id="{02403316-07BD-40D6-B832-E27CC8D3E996}" type="datetimeFigureOut">
               <a:rPr lang="zh-CN" altLang="en-US" smtClean="0"/>
-              <a:t>2023-5-7</a:t>
+              <a:t>2023-5-18</a:t>
             </a:fld>
             <a:endParaRPr lang="zh-CN" altLang="en-US"/>
           </a:p>
@@ -1570,7 +1570,7 @@
     </p:spTree>
     <p:extLst>
       <p:ext uri="{BB962C8B-B14F-4D97-AF65-F5344CB8AC3E}">
-        <p14:creationId xmlns:p14="http://schemas.microsoft.com/office/powerpoint/2010/main" val="1754721199"/>
+        <p14:creationId xmlns:p14="http://schemas.microsoft.com/office/powerpoint/2010/main" val="2079826073"/>
       </p:ext>
     </p:extLst>
   </p:cSld>
@@ -1689,7 +1689,7 @@
           <a:p>
             <a:fld id="{02403316-07BD-40D6-B832-E27CC8D3E996}" type="datetimeFigureOut">
               <a:rPr lang="zh-CN" altLang="en-US" smtClean="0"/>
-              <a:t>2023-5-7</a:t>
+              <a:t>2023-5-18</a:t>
             </a:fld>
             <a:endParaRPr lang="zh-CN" altLang="en-US"/>
           </a:p>
@@ -1740,7 +1740,7 @@
     </p:spTree>
     <p:extLst>
       <p:ext uri="{BB962C8B-B14F-4D97-AF65-F5344CB8AC3E}">
-        <p14:creationId xmlns:p14="http://schemas.microsoft.com/office/powerpoint/2010/main" val="2933679154"/>
+        <p14:creationId xmlns:p14="http://schemas.microsoft.com/office/powerpoint/2010/main" val="2469982919"/>
       </p:ext>
     </p:extLst>
   </p:cSld>
@@ -1779,8 +1779,8 @@
         </p:nvSpPr>
         <p:spPr>
           <a:xfrm>
-            <a:off x="654367" y="48683"/>
-            <a:ext cx="197168" cy="774912"/>
+            <a:off x="981551" y="73025"/>
+            <a:ext cx="295751" cy="1162368"/>
           </a:xfrm>
         </p:spPr>
         <p:txBody>
@@ -1807,8 +1807,8 @@
         </p:nvSpPr>
         <p:spPr>
           <a:xfrm>
-            <a:off x="62865" y="48683"/>
-            <a:ext cx="580073" cy="774912"/>
+            <a:off x="94297" y="73025"/>
+            <a:ext cx="870109" cy="1162368"/>
           </a:xfrm>
         </p:spPr>
         <p:txBody>
@@ -1869,7 +1869,7 @@
           <a:p>
             <a:fld id="{02403316-07BD-40D6-B832-E27CC8D3E996}" type="datetimeFigureOut">
               <a:rPr lang="zh-CN" altLang="en-US" smtClean="0"/>
-              <a:t>2023-5-7</a:t>
+              <a:t>2023-5-18</a:t>
             </a:fld>
             <a:endParaRPr lang="zh-CN" altLang="en-US"/>
           </a:p>
@@ -1920,7 +1920,7 @@
     </p:spTree>
     <p:extLst>
       <p:ext uri="{BB962C8B-B14F-4D97-AF65-F5344CB8AC3E}">
-        <p14:creationId xmlns:p14="http://schemas.microsoft.com/office/powerpoint/2010/main" val="3661437348"/>
+        <p14:creationId xmlns:p14="http://schemas.microsoft.com/office/powerpoint/2010/main" val="580195819"/>
       </p:ext>
     </p:extLst>
   </p:cSld>
@@ -2039,7 +2039,7 @@
           <a:p>
             <a:fld id="{02403316-07BD-40D6-B832-E27CC8D3E996}" type="datetimeFigureOut">
               <a:rPr lang="zh-CN" altLang="en-US" smtClean="0"/>
-              <a:t>2023-5-7</a:t>
+              <a:t>2023-5-18</a:t>
             </a:fld>
             <a:endParaRPr lang="zh-CN" altLang="en-US"/>
           </a:p>
@@ -2090,7 +2090,7 @@
     </p:spTree>
     <p:extLst>
       <p:ext uri="{BB962C8B-B14F-4D97-AF65-F5344CB8AC3E}">
-        <p14:creationId xmlns:p14="http://schemas.microsoft.com/office/powerpoint/2010/main" val="94063901"/>
+        <p14:creationId xmlns:p14="http://schemas.microsoft.com/office/powerpoint/2010/main" val="131122392"/>
       </p:ext>
     </p:extLst>
   </p:cSld>
@@ -2129,15 +2129,15 @@
         </p:nvSpPr>
         <p:spPr>
           <a:xfrm>
-            <a:off x="62389" y="227965"/>
-            <a:ext cx="788670" cy="380365"/>
+            <a:off x="93583" y="341948"/>
+            <a:ext cx="1183005" cy="570547"/>
           </a:xfrm>
         </p:spPr>
         <p:txBody>
           <a:bodyPr anchor="b"/>
           <a:lstStyle>
             <a:lvl1pPr>
-              <a:defRPr sz="600"/>
+              <a:defRPr sz="900"/>
             </a:lvl1pPr>
           </a:lstStyle>
           <a:p>
@@ -2161,8 +2161,8 @@
         </p:nvSpPr>
         <p:spPr>
           <a:xfrm>
-            <a:off x="62389" y="611929"/>
-            <a:ext cx="788670" cy="200025"/>
+            <a:off x="93583" y="917893"/>
+            <a:ext cx="1183005" cy="300037"/>
           </a:xfrm>
         </p:spPr>
         <p:txBody>
@@ -2170,15 +2170,15 @@
           <a:lstStyle>
             <a:lvl1pPr marL="0" indent="0">
               <a:buNone/>
-              <a:defRPr sz="240">
+              <a:defRPr sz="360">
                 <a:solidFill>
                   <a:schemeClr val="tx1"/>
                 </a:solidFill>
               </a:defRPr>
             </a:lvl1pPr>
-            <a:lvl2pPr marL="45720" indent="0">
-              <a:buNone/>
-              <a:defRPr sz="200">
+            <a:lvl2pPr marL="68580" indent="0">
+              <a:buNone/>
+              <a:defRPr sz="300">
                 <a:solidFill>
                   <a:schemeClr val="tx1">
                     <a:tint val="75000"/>
@@ -2186,9 +2186,9 @@
                 </a:solidFill>
               </a:defRPr>
             </a:lvl2pPr>
-            <a:lvl3pPr marL="91440" indent="0">
-              <a:buNone/>
-              <a:defRPr sz="180">
+            <a:lvl3pPr marL="137160" indent="0">
+              <a:buNone/>
+              <a:defRPr sz="270">
                 <a:solidFill>
                   <a:schemeClr val="tx1">
                     <a:tint val="75000"/>
@@ -2196,9 +2196,9 @@
                 </a:solidFill>
               </a:defRPr>
             </a:lvl3pPr>
-            <a:lvl4pPr marL="137160" indent="0">
-              <a:buNone/>
-              <a:defRPr sz="160">
+            <a:lvl4pPr marL="205740" indent="0">
+              <a:buNone/>
+              <a:defRPr sz="240">
                 <a:solidFill>
                   <a:schemeClr val="tx1">
                     <a:tint val="75000"/>
@@ -2206,9 +2206,9 @@
                 </a:solidFill>
               </a:defRPr>
             </a:lvl4pPr>
-            <a:lvl5pPr marL="182880" indent="0">
-              <a:buNone/>
-              <a:defRPr sz="160">
+            <a:lvl5pPr marL="274320" indent="0">
+              <a:buNone/>
+              <a:defRPr sz="240">
                 <a:solidFill>
                   <a:schemeClr val="tx1">
                     <a:tint val="75000"/>
@@ -2216,9 +2216,9 @@
                 </a:solidFill>
               </a:defRPr>
             </a:lvl5pPr>
-            <a:lvl6pPr marL="228600" indent="0">
-              <a:buNone/>
-              <a:defRPr sz="160">
+            <a:lvl6pPr marL="342900" indent="0">
+              <a:buNone/>
+              <a:defRPr sz="240">
                 <a:solidFill>
                   <a:schemeClr val="tx1">
                     <a:tint val="75000"/>
@@ -2226,9 +2226,9 @@
                 </a:solidFill>
               </a:defRPr>
             </a:lvl6pPr>
-            <a:lvl7pPr marL="274320" indent="0">
-              <a:buNone/>
-              <a:defRPr sz="160">
+            <a:lvl7pPr marL="411480" indent="0">
+              <a:buNone/>
+              <a:defRPr sz="240">
                 <a:solidFill>
                   <a:schemeClr val="tx1">
                     <a:tint val="75000"/>
@@ -2236,9 +2236,9 @@
                 </a:solidFill>
               </a:defRPr>
             </a:lvl7pPr>
-            <a:lvl8pPr marL="320040" indent="0">
-              <a:buNone/>
-              <a:defRPr sz="160">
+            <a:lvl8pPr marL="480060" indent="0">
+              <a:buNone/>
+              <a:defRPr sz="240">
                 <a:solidFill>
                   <a:schemeClr val="tx1">
                     <a:tint val="75000"/>
@@ -2246,9 +2246,9 @@
                 </a:solidFill>
               </a:defRPr>
             </a:lvl8pPr>
-            <a:lvl9pPr marL="365760" indent="0">
-              <a:buNone/>
-              <a:defRPr sz="160">
+            <a:lvl9pPr marL="548640" indent="0">
+              <a:buNone/>
+              <a:defRPr sz="240">
                 <a:solidFill>
                   <a:schemeClr val="tx1">
                     <a:tint val="75000"/>
@@ -2283,7 +2283,7 @@
           <a:p>
             <a:fld id="{02403316-07BD-40D6-B832-E27CC8D3E996}" type="datetimeFigureOut">
               <a:rPr lang="zh-CN" altLang="en-US" smtClean="0"/>
-              <a:t>2023-5-7</a:t>
+              <a:t>2023-5-18</a:t>
             </a:fld>
             <a:endParaRPr lang="zh-CN" altLang="en-US"/>
           </a:p>
@@ -2334,7 +2334,7 @@
     </p:spTree>
     <p:extLst>
       <p:ext uri="{BB962C8B-B14F-4D97-AF65-F5344CB8AC3E}">
-        <p14:creationId xmlns:p14="http://schemas.microsoft.com/office/powerpoint/2010/main" val="2968986060"/>
+        <p14:creationId xmlns:p14="http://schemas.microsoft.com/office/powerpoint/2010/main" val="3943432683"/>
       </p:ext>
     </p:extLst>
   </p:cSld>
@@ -2396,8 +2396,8 @@
         </p:nvSpPr>
         <p:spPr>
           <a:xfrm>
-            <a:off x="62865" y="243417"/>
-            <a:ext cx="388620" cy="580178"/>
+            <a:off x="94298" y="365125"/>
+            <a:ext cx="582930" cy="870268"/>
           </a:xfrm>
         </p:spPr>
         <p:txBody>
@@ -2453,8 +2453,8 @@
         </p:nvSpPr>
         <p:spPr>
           <a:xfrm>
-            <a:off x="462915" y="243417"/>
-            <a:ext cx="388620" cy="580178"/>
+            <a:off x="694373" y="365125"/>
+            <a:ext cx="582930" cy="870268"/>
           </a:xfrm>
         </p:spPr>
         <p:txBody>
@@ -2515,7 +2515,7 @@
           <a:p>
             <a:fld id="{02403316-07BD-40D6-B832-E27CC8D3E996}" type="datetimeFigureOut">
               <a:rPr lang="zh-CN" altLang="en-US" smtClean="0"/>
-              <a:t>2023-5-7</a:t>
+              <a:t>2023-5-18</a:t>
             </a:fld>
             <a:endParaRPr lang="zh-CN" altLang="en-US"/>
           </a:p>
@@ -2566,7 +2566,7 @@
     </p:spTree>
     <p:extLst>
       <p:ext uri="{BB962C8B-B14F-4D97-AF65-F5344CB8AC3E}">
-        <p14:creationId xmlns:p14="http://schemas.microsoft.com/office/powerpoint/2010/main" val="28711011"/>
+        <p14:creationId xmlns:p14="http://schemas.microsoft.com/office/powerpoint/2010/main" val="1896328767"/>
       </p:ext>
     </p:extLst>
   </p:cSld>
@@ -2605,8 +2605,8 @@
         </p:nvSpPr>
         <p:spPr>
           <a:xfrm>
-            <a:off x="62984" y="48683"/>
-            <a:ext cx="788670" cy="176742"/>
+            <a:off x="94476" y="73025"/>
+            <a:ext cx="1183005" cy="265113"/>
           </a:xfrm>
         </p:spPr>
         <p:txBody>
@@ -2633,8 +2633,8 @@
         </p:nvSpPr>
         <p:spPr>
           <a:xfrm>
-            <a:off x="62984" y="224155"/>
-            <a:ext cx="386834" cy="109855"/>
+            <a:off x="94476" y="336233"/>
+            <a:ext cx="580251" cy="164782"/>
           </a:xfrm>
         </p:spPr>
         <p:txBody>
@@ -2642,39 +2642,39 @@
           <a:lstStyle>
             <a:lvl1pPr marL="0" indent="0">
               <a:buNone/>
+              <a:defRPr sz="360" b="1"/>
+            </a:lvl1pPr>
+            <a:lvl2pPr marL="68580" indent="0">
+              <a:buNone/>
+              <a:defRPr sz="300" b="1"/>
+            </a:lvl2pPr>
+            <a:lvl3pPr marL="137160" indent="0">
+              <a:buNone/>
+              <a:defRPr sz="270" b="1"/>
+            </a:lvl3pPr>
+            <a:lvl4pPr marL="205740" indent="0">
+              <a:buNone/>
               <a:defRPr sz="240" b="1"/>
-            </a:lvl1pPr>
-            <a:lvl2pPr marL="45720" indent="0">
-              <a:buNone/>
-              <a:defRPr sz="200" b="1"/>
-            </a:lvl2pPr>
-            <a:lvl3pPr marL="91440" indent="0">
-              <a:buNone/>
-              <a:defRPr sz="180" b="1"/>
-            </a:lvl3pPr>
-            <a:lvl4pPr marL="137160" indent="0">
-              <a:buNone/>
-              <a:defRPr sz="160" b="1"/>
             </a:lvl4pPr>
-            <a:lvl5pPr marL="182880" indent="0">
-              <a:buNone/>
-              <a:defRPr sz="160" b="1"/>
+            <a:lvl5pPr marL="274320" indent="0">
+              <a:buNone/>
+              <a:defRPr sz="240" b="1"/>
             </a:lvl5pPr>
-            <a:lvl6pPr marL="228600" indent="0">
-              <a:buNone/>
-              <a:defRPr sz="160" b="1"/>
+            <a:lvl6pPr marL="342900" indent="0">
+              <a:buNone/>
+              <a:defRPr sz="240" b="1"/>
             </a:lvl6pPr>
-            <a:lvl7pPr marL="274320" indent="0">
-              <a:buNone/>
-              <a:defRPr sz="160" b="1"/>
+            <a:lvl7pPr marL="411480" indent="0">
+              <a:buNone/>
+              <a:defRPr sz="240" b="1"/>
             </a:lvl7pPr>
-            <a:lvl8pPr marL="320040" indent="0">
-              <a:buNone/>
-              <a:defRPr sz="160" b="1"/>
+            <a:lvl8pPr marL="480060" indent="0">
+              <a:buNone/>
+              <a:defRPr sz="240" b="1"/>
             </a:lvl8pPr>
-            <a:lvl9pPr marL="365760" indent="0">
-              <a:buNone/>
-              <a:defRPr sz="160" b="1"/>
+            <a:lvl9pPr marL="548640" indent="0">
+              <a:buNone/>
+              <a:defRPr sz="240" b="1"/>
             </a:lvl9pPr>
           </a:lstStyle>
           <a:p>
@@ -2698,8 +2698,8 @@
         </p:nvSpPr>
         <p:spPr>
           <a:xfrm>
-            <a:off x="62984" y="334010"/>
-            <a:ext cx="386834" cy="491278"/>
+            <a:off x="94476" y="501015"/>
+            <a:ext cx="580251" cy="736918"/>
           </a:xfrm>
         </p:spPr>
         <p:txBody>
@@ -2755,8 +2755,8 @@
         </p:nvSpPr>
         <p:spPr>
           <a:xfrm>
-            <a:off x="462915" y="224155"/>
-            <a:ext cx="388739" cy="109855"/>
+            <a:off x="694372" y="336233"/>
+            <a:ext cx="583109" cy="164782"/>
           </a:xfrm>
         </p:spPr>
         <p:txBody>
@@ -2764,39 +2764,39 @@
           <a:lstStyle>
             <a:lvl1pPr marL="0" indent="0">
               <a:buNone/>
+              <a:defRPr sz="360" b="1"/>
+            </a:lvl1pPr>
+            <a:lvl2pPr marL="68580" indent="0">
+              <a:buNone/>
+              <a:defRPr sz="300" b="1"/>
+            </a:lvl2pPr>
+            <a:lvl3pPr marL="137160" indent="0">
+              <a:buNone/>
+              <a:defRPr sz="270" b="1"/>
+            </a:lvl3pPr>
+            <a:lvl4pPr marL="205740" indent="0">
+              <a:buNone/>
               <a:defRPr sz="240" b="1"/>
-            </a:lvl1pPr>
-            <a:lvl2pPr marL="45720" indent="0">
-              <a:buNone/>
-              <a:defRPr sz="200" b="1"/>
-            </a:lvl2pPr>
-            <a:lvl3pPr marL="91440" indent="0">
-              <a:buNone/>
-              <a:defRPr sz="180" b="1"/>
-            </a:lvl3pPr>
-            <a:lvl4pPr marL="137160" indent="0">
-              <a:buNone/>
-              <a:defRPr sz="160" b="1"/>
             </a:lvl4pPr>
-            <a:lvl5pPr marL="182880" indent="0">
-              <a:buNone/>
-              <a:defRPr sz="160" b="1"/>
+            <a:lvl5pPr marL="274320" indent="0">
+              <a:buNone/>
+              <a:defRPr sz="240" b="1"/>
             </a:lvl5pPr>
-            <a:lvl6pPr marL="228600" indent="0">
-              <a:buNone/>
-              <a:defRPr sz="160" b="1"/>
+            <a:lvl6pPr marL="342900" indent="0">
+              <a:buNone/>
+              <a:defRPr sz="240" b="1"/>
             </a:lvl6pPr>
-            <a:lvl7pPr marL="274320" indent="0">
-              <a:buNone/>
-              <a:defRPr sz="160" b="1"/>
+            <a:lvl7pPr marL="411480" indent="0">
+              <a:buNone/>
+              <a:defRPr sz="240" b="1"/>
             </a:lvl7pPr>
-            <a:lvl8pPr marL="320040" indent="0">
-              <a:buNone/>
-              <a:defRPr sz="160" b="1"/>
+            <a:lvl8pPr marL="480060" indent="0">
+              <a:buNone/>
+              <a:defRPr sz="240" b="1"/>
             </a:lvl8pPr>
-            <a:lvl9pPr marL="365760" indent="0">
-              <a:buNone/>
-              <a:defRPr sz="160" b="1"/>
+            <a:lvl9pPr marL="548640" indent="0">
+              <a:buNone/>
+              <a:defRPr sz="240" b="1"/>
             </a:lvl9pPr>
           </a:lstStyle>
           <a:p>
@@ -2820,8 +2820,8 @@
         </p:nvSpPr>
         <p:spPr>
           <a:xfrm>
-            <a:off x="462915" y="334010"/>
-            <a:ext cx="388739" cy="491278"/>
+            <a:off x="694372" y="501015"/>
+            <a:ext cx="583109" cy="736918"/>
           </a:xfrm>
         </p:spPr>
         <p:txBody>
@@ -2882,7 +2882,7 @@
           <a:p>
             <a:fld id="{02403316-07BD-40D6-B832-E27CC8D3E996}" type="datetimeFigureOut">
               <a:rPr lang="zh-CN" altLang="en-US" smtClean="0"/>
-              <a:t>2023-5-7</a:t>
+              <a:t>2023-5-18</a:t>
             </a:fld>
             <a:endParaRPr lang="zh-CN" altLang="en-US"/>
           </a:p>
@@ -2933,7 +2933,7 @@
     </p:spTree>
     <p:extLst>
       <p:ext uri="{BB962C8B-B14F-4D97-AF65-F5344CB8AC3E}">
-        <p14:creationId xmlns:p14="http://schemas.microsoft.com/office/powerpoint/2010/main" val="2502549364"/>
+        <p14:creationId xmlns:p14="http://schemas.microsoft.com/office/powerpoint/2010/main" val="3107138539"/>
       </p:ext>
     </p:extLst>
   </p:cSld>
@@ -3000,7 +3000,7 @@
           <a:p>
             <a:fld id="{02403316-07BD-40D6-B832-E27CC8D3E996}" type="datetimeFigureOut">
               <a:rPr lang="zh-CN" altLang="en-US" smtClean="0"/>
-              <a:t>2023-5-7</a:t>
+              <a:t>2023-5-18</a:t>
             </a:fld>
             <a:endParaRPr lang="zh-CN" altLang="en-US"/>
           </a:p>
@@ -3051,7 +3051,7 @@
     </p:spTree>
     <p:extLst>
       <p:ext uri="{BB962C8B-B14F-4D97-AF65-F5344CB8AC3E}">
-        <p14:creationId xmlns:p14="http://schemas.microsoft.com/office/powerpoint/2010/main" val="2122723995"/>
+        <p14:creationId xmlns:p14="http://schemas.microsoft.com/office/powerpoint/2010/main" val="3974023010"/>
       </p:ext>
     </p:extLst>
   </p:cSld>
@@ -3095,7 +3095,7 @@
           <a:p>
             <a:fld id="{02403316-07BD-40D6-B832-E27CC8D3E996}" type="datetimeFigureOut">
               <a:rPr lang="zh-CN" altLang="en-US" smtClean="0"/>
-              <a:t>2023-5-7</a:t>
+              <a:t>2023-5-18</a:t>
             </a:fld>
             <a:endParaRPr lang="zh-CN" altLang="en-US"/>
           </a:p>
@@ -3146,7 +3146,7 @@
     </p:spTree>
     <p:extLst>
       <p:ext uri="{BB962C8B-B14F-4D97-AF65-F5344CB8AC3E}">
-        <p14:creationId xmlns:p14="http://schemas.microsoft.com/office/powerpoint/2010/main" val="2088229804"/>
+        <p14:creationId xmlns:p14="http://schemas.microsoft.com/office/powerpoint/2010/main" val="2090845983"/>
       </p:ext>
     </p:extLst>
   </p:cSld>
@@ -3185,15 +3185,15 @@
         </p:nvSpPr>
         <p:spPr>
           <a:xfrm>
-            <a:off x="62984" y="60960"/>
-            <a:ext cx="294918" cy="213360"/>
+            <a:off x="94476" y="91440"/>
+            <a:ext cx="442377" cy="320040"/>
           </a:xfrm>
         </p:spPr>
         <p:txBody>
           <a:bodyPr anchor="b"/>
           <a:lstStyle>
             <a:lvl1pPr>
-              <a:defRPr sz="320"/>
+              <a:defRPr sz="480"/>
             </a:lvl1pPr>
           </a:lstStyle>
           <a:p>
@@ -3217,39 +3217,39 @@
         </p:nvSpPr>
         <p:spPr>
           <a:xfrm>
-            <a:off x="388739" y="131657"/>
-            <a:ext cx="462915" cy="649817"/>
+            <a:off x="583108" y="197485"/>
+            <a:ext cx="694373" cy="974725"/>
           </a:xfrm>
         </p:spPr>
         <p:txBody>
           <a:bodyPr/>
           <a:lstStyle>
             <a:lvl1pPr>
-              <a:defRPr sz="320"/>
+              <a:defRPr sz="480"/>
             </a:lvl1pPr>
             <a:lvl2pPr>
-              <a:defRPr sz="280"/>
+              <a:defRPr sz="420"/>
             </a:lvl2pPr>
             <a:lvl3pPr>
-              <a:defRPr sz="240"/>
+              <a:defRPr sz="360"/>
             </a:lvl3pPr>
             <a:lvl4pPr>
-              <a:defRPr sz="200"/>
+              <a:defRPr sz="300"/>
             </a:lvl4pPr>
             <a:lvl5pPr>
-              <a:defRPr sz="200"/>
+              <a:defRPr sz="300"/>
             </a:lvl5pPr>
             <a:lvl6pPr>
-              <a:defRPr sz="200"/>
+              <a:defRPr sz="300"/>
             </a:lvl6pPr>
             <a:lvl7pPr>
-              <a:defRPr sz="200"/>
+              <a:defRPr sz="300"/>
             </a:lvl7pPr>
             <a:lvl8pPr>
-              <a:defRPr sz="200"/>
+              <a:defRPr sz="300"/>
             </a:lvl8pPr>
             <a:lvl9pPr>
-              <a:defRPr sz="200"/>
+              <a:defRPr sz="300"/>
             </a:lvl9pPr>
           </a:lstStyle>
           <a:p>
@@ -3302,8 +3302,8 @@
         </p:nvSpPr>
         <p:spPr>
           <a:xfrm>
-            <a:off x="62984" y="274320"/>
-            <a:ext cx="294918" cy="508212"/>
+            <a:off x="94476" y="411480"/>
+            <a:ext cx="442377" cy="762318"/>
           </a:xfrm>
         </p:spPr>
         <p:txBody>
@@ -3311,39 +3311,39 @@
           <a:lstStyle>
             <a:lvl1pPr marL="0" indent="0">
               <a:buNone/>
-              <a:defRPr sz="160"/>
+              <a:defRPr sz="240"/>
             </a:lvl1pPr>
-            <a:lvl2pPr marL="45720" indent="0">
-              <a:buNone/>
-              <a:defRPr sz="140"/>
+            <a:lvl2pPr marL="68580" indent="0">
+              <a:buNone/>
+              <a:defRPr sz="210"/>
             </a:lvl2pPr>
-            <a:lvl3pPr marL="91440" indent="0">
-              <a:buNone/>
-              <a:defRPr sz="120"/>
+            <a:lvl3pPr marL="137160" indent="0">
+              <a:buNone/>
+              <a:defRPr sz="180"/>
             </a:lvl3pPr>
-            <a:lvl4pPr marL="137160" indent="0">
-              <a:buNone/>
-              <a:defRPr sz="100"/>
+            <a:lvl4pPr marL="205740" indent="0">
+              <a:buNone/>
+              <a:defRPr sz="150"/>
             </a:lvl4pPr>
-            <a:lvl5pPr marL="182880" indent="0">
-              <a:buNone/>
-              <a:defRPr sz="100"/>
+            <a:lvl5pPr marL="274320" indent="0">
+              <a:buNone/>
+              <a:defRPr sz="150"/>
             </a:lvl5pPr>
-            <a:lvl6pPr marL="228600" indent="0">
-              <a:buNone/>
-              <a:defRPr sz="100"/>
+            <a:lvl6pPr marL="342900" indent="0">
+              <a:buNone/>
+              <a:defRPr sz="150"/>
             </a:lvl6pPr>
-            <a:lvl7pPr marL="274320" indent="0">
-              <a:buNone/>
-              <a:defRPr sz="100"/>
+            <a:lvl7pPr marL="411480" indent="0">
+              <a:buNone/>
+              <a:defRPr sz="150"/>
             </a:lvl7pPr>
-            <a:lvl8pPr marL="320040" indent="0">
-              <a:buNone/>
-              <a:defRPr sz="100"/>
+            <a:lvl8pPr marL="480060" indent="0">
+              <a:buNone/>
+              <a:defRPr sz="150"/>
             </a:lvl8pPr>
-            <a:lvl9pPr marL="365760" indent="0">
-              <a:buNone/>
-              <a:defRPr sz="100"/>
+            <a:lvl9pPr marL="548640" indent="0">
+              <a:buNone/>
+              <a:defRPr sz="150"/>
             </a:lvl9pPr>
           </a:lstStyle>
           <a:p>
@@ -3372,7 +3372,7 @@
           <a:p>
             <a:fld id="{02403316-07BD-40D6-B832-E27CC8D3E996}" type="datetimeFigureOut">
               <a:rPr lang="zh-CN" altLang="en-US" smtClean="0"/>
-              <a:t>2023-5-7</a:t>
+              <a:t>2023-5-18</a:t>
             </a:fld>
             <a:endParaRPr lang="zh-CN" altLang="en-US"/>
           </a:p>
@@ -3423,7 +3423,7 @@
     </p:spTree>
     <p:extLst>
       <p:ext uri="{BB962C8B-B14F-4D97-AF65-F5344CB8AC3E}">
-        <p14:creationId xmlns:p14="http://schemas.microsoft.com/office/powerpoint/2010/main" val="1992922709"/>
+        <p14:creationId xmlns:p14="http://schemas.microsoft.com/office/powerpoint/2010/main" val="1734478365"/>
       </p:ext>
     </p:extLst>
   </p:cSld>
@@ -3462,15 +3462,15 @@
         </p:nvSpPr>
         <p:spPr>
           <a:xfrm>
-            <a:off x="62984" y="60960"/>
-            <a:ext cx="294918" cy="213360"/>
+            <a:off x="94476" y="91440"/>
+            <a:ext cx="442377" cy="320040"/>
           </a:xfrm>
         </p:spPr>
         <p:txBody>
           <a:bodyPr anchor="b"/>
           <a:lstStyle>
             <a:lvl1pPr>
-              <a:defRPr sz="320"/>
+              <a:defRPr sz="480"/>
             </a:lvl1pPr>
           </a:lstStyle>
           <a:p>
@@ -3494,8 +3494,8 @@
         </p:nvSpPr>
         <p:spPr>
           <a:xfrm>
-            <a:off x="388739" y="131657"/>
-            <a:ext cx="462915" cy="649817"/>
+            <a:off x="583108" y="197485"/>
+            <a:ext cx="694373" cy="974725"/>
           </a:xfrm>
         </p:spPr>
         <p:txBody>
@@ -3503,39 +3503,39 @@
           <a:lstStyle>
             <a:lvl1pPr marL="0" indent="0">
               <a:buNone/>
-              <a:defRPr sz="320"/>
+              <a:defRPr sz="480"/>
             </a:lvl1pPr>
-            <a:lvl2pPr marL="45720" indent="0">
-              <a:buNone/>
-              <a:defRPr sz="280"/>
+            <a:lvl2pPr marL="68580" indent="0">
+              <a:buNone/>
+              <a:defRPr sz="420"/>
             </a:lvl2pPr>
-            <a:lvl3pPr marL="91440" indent="0">
-              <a:buNone/>
-              <a:defRPr sz="240"/>
+            <a:lvl3pPr marL="137160" indent="0">
+              <a:buNone/>
+              <a:defRPr sz="360"/>
             </a:lvl3pPr>
-            <a:lvl4pPr marL="137160" indent="0">
-              <a:buNone/>
-              <a:defRPr sz="200"/>
+            <a:lvl4pPr marL="205740" indent="0">
+              <a:buNone/>
+              <a:defRPr sz="300"/>
             </a:lvl4pPr>
-            <a:lvl5pPr marL="182880" indent="0">
-              <a:buNone/>
-              <a:defRPr sz="200"/>
+            <a:lvl5pPr marL="274320" indent="0">
+              <a:buNone/>
+              <a:defRPr sz="300"/>
             </a:lvl5pPr>
-            <a:lvl6pPr marL="228600" indent="0">
-              <a:buNone/>
-              <a:defRPr sz="200"/>
+            <a:lvl6pPr marL="342900" indent="0">
+              <a:buNone/>
+              <a:defRPr sz="300"/>
             </a:lvl6pPr>
-            <a:lvl7pPr marL="274320" indent="0">
-              <a:buNone/>
-              <a:defRPr sz="200"/>
+            <a:lvl7pPr marL="411480" indent="0">
+              <a:buNone/>
+              <a:defRPr sz="300"/>
             </a:lvl7pPr>
-            <a:lvl8pPr marL="320040" indent="0">
-              <a:buNone/>
-              <a:defRPr sz="200"/>
+            <a:lvl8pPr marL="480060" indent="0">
+              <a:buNone/>
+              <a:defRPr sz="300"/>
             </a:lvl8pPr>
-            <a:lvl9pPr marL="365760" indent="0">
-              <a:buNone/>
-              <a:defRPr sz="200"/>
+            <a:lvl9pPr marL="548640" indent="0">
+              <a:buNone/>
+              <a:defRPr sz="300"/>
             </a:lvl9pPr>
           </a:lstStyle>
           <a:p>
@@ -3559,8 +3559,8 @@
         </p:nvSpPr>
         <p:spPr>
           <a:xfrm>
-            <a:off x="62984" y="274320"/>
-            <a:ext cx="294918" cy="508212"/>
+            <a:off x="94476" y="411480"/>
+            <a:ext cx="442377" cy="762318"/>
           </a:xfrm>
         </p:spPr>
         <p:txBody>
@@ -3568,39 +3568,39 @@
           <a:lstStyle>
             <a:lvl1pPr marL="0" indent="0">
               <a:buNone/>
-              <a:defRPr sz="160"/>
+              <a:defRPr sz="240"/>
             </a:lvl1pPr>
-            <a:lvl2pPr marL="45720" indent="0">
-              <a:buNone/>
-              <a:defRPr sz="140"/>
+            <a:lvl2pPr marL="68580" indent="0">
+              <a:buNone/>
+              <a:defRPr sz="210"/>
             </a:lvl2pPr>
-            <a:lvl3pPr marL="91440" indent="0">
-              <a:buNone/>
-              <a:defRPr sz="120"/>
+            <a:lvl3pPr marL="137160" indent="0">
+              <a:buNone/>
+              <a:defRPr sz="180"/>
             </a:lvl3pPr>
-            <a:lvl4pPr marL="137160" indent="0">
-              <a:buNone/>
-              <a:defRPr sz="100"/>
+            <a:lvl4pPr marL="205740" indent="0">
+              <a:buNone/>
+              <a:defRPr sz="150"/>
             </a:lvl4pPr>
-            <a:lvl5pPr marL="182880" indent="0">
-              <a:buNone/>
-              <a:defRPr sz="100"/>
+            <a:lvl5pPr marL="274320" indent="0">
+              <a:buNone/>
+              <a:defRPr sz="150"/>
             </a:lvl5pPr>
-            <a:lvl6pPr marL="228600" indent="0">
-              <a:buNone/>
-              <a:defRPr sz="100"/>
+            <a:lvl6pPr marL="342900" indent="0">
+              <a:buNone/>
+              <a:defRPr sz="150"/>
             </a:lvl6pPr>
-            <a:lvl7pPr marL="274320" indent="0">
-              <a:buNone/>
-              <a:defRPr sz="100"/>
+            <a:lvl7pPr marL="411480" indent="0">
+              <a:buNone/>
+              <a:defRPr sz="150"/>
             </a:lvl7pPr>
-            <a:lvl8pPr marL="320040" indent="0">
-              <a:buNone/>
-              <a:defRPr sz="100"/>
+            <a:lvl8pPr marL="480060" indent="0">
+              <a:buNone/>
+              <a:defRPr sz="150"/>
             </a:lvl8pPr>
-            <a:lvl9pPr marL="365760" indent="0">
-              <a:buNone/>
-              <a:defRPr sz="100"/>
+            <a:lvl9pPr marL="548640" indent="0">
+              <a:buNone/>
+              <a:defRPr sz="150"/>
             </a:lvl9pPr>
           </a:lstStyle>
           <a:p>
@@ -3629,7 +3629,7 @@
           <a:p>
             <a:fld id="{02403316-07BD-40D6-B832-E27CC8D3E996}" type="datetimeFigureOut">
               <a:rPr lang="zh-CN" altLang="en-US" smtClean="0"/>
-              <a:t>2023-5-7</a:t>
+              <a:t>2023-5-18</a:t>
             </a:fld>
             <a:endParaRPr lang="zh-CN" altLang="en-US"/>
           </a:p>
@@ -3680,7 +3680,7 @@
     </p:spTree>
     <p:extLst>
       <p:ext uri="{BB962C8B-B14F-4D97-AF65-F5344CB8AC3E}">
-        <p14:creationId xmlns:p14="http://schemas.microsoft.com/office/powerpoint/2010/main" val="547751516"/>
+        <p14:creationId xmlns:p14="http://schemas.microsoft.com/office/powerpoint/2010/main" val="2287765863"/>
       </p:ext>
     </p:extLst>
   </p:cSld>
@@ -3727,8 +3727,8 @@
         </p:nvSpPr>
         <p:spPr>
           <a:xfrm>
-            <a:off x="62865" y="48683"/>
-            <a:ext cx="788670" cy="176742"/>
+            <a:off x="94298" y="73025"/>
+            <a:ext cx="1183005" cy="265113"/>
           </a:xfrm>
           <a:prstGeom prst="rect">
             <a:avLst/>
@@ -3760,8 +3760,8 @@
         </p:nvSpPr>
         <p:spPr>
           <a:xfrm>
-            <a:off x="62865" y="243417"/>
-            <a:ext cx="788670" cy="580178"/>
+            <a:off x="94298" y="365125"/>
+            <a:ext cx="1183005" cy="870268"/>
           </a:xfrm>
           <a:prstGeom prst="rect">
             <a:avLst/>
@@ -3822,8 +3822,8 @@
         </p:nvSpPr>
         <p:spPr>
           <a:xfrm>
-            <a:off x="62865" y="847514"/>
-            <a:ext cx="205740" cy="48683"/>
+            <a:off x="94298" y="1271270"/>
+            <a:ext cx="308610" cy="73025"/>
           </a:xfrm>
           <a:prstGeom prst="rect">
             <a:avLst/>
@@ -3833,7 +3833,7 @@
           <a:bodyPr vert="horz" lIns="91440" tIns="45720" rIns="91440" bIns="45720" rtlCol="0" anchor="ctr"/>
           <a:lstStyle>
             <a:lvl1pPr algn="l">
-              <a:defRPr sz="120">
+              <a:defRPr sz="180">
                 <a:solidFill>
                   <a:schemeClr val="tx1">
                     <a:tint val="75000"/>
@@ -3845,7 +3845,7 @@
           <a:p>
             <a:fld id="{02403316-07BD-40D6-B832-E27CC8D3E996}" type="datetimeFigureOut">
               <a:rPr lang="zh-CN" altLang="en-US" smtClean="0"/>
-              <a:t>2023-5-7</a:t>
+              <a:t>2023-5-18</a:t>
             </a:fld>
             <a:endParaRPr lang="zh-CN" altLang="en-US"/>
           </a:p>
@@ -3863,8 +3863,8 @@
         </p:nvSpPr>
         <p:spPr>
           <a:xfrm>
-            <a:off x="302895" y="847514"/>
-            <a:ext cx="308610" cy="48683"/>
+            <a:off x="454343" y="1271270"/>
+            <a:ext cx="462915" cy="73025"/>
           </a:xfrm>
           <a:prstGeom prst="rect">
             <a:avLst/>
@@ -3874,7 +3874,7 @@
           <a:bodyPr vert="horz" lIns="91440" tIns="45720" rIns="91440" bIns="45720" rtlCol="0" anchor="ctr"/>
           <a:lstStyle>
             <a:lvl1pPr algn="ctr">
-              <a:defRPr sz="120">
+              <a:defRPr sz="180">
                 <a:solidFill>
                   <a:schemeClr val="tx1">
                     <a:tint val="75000"/>
@@ -3900,8 +3900,8 @@
         </p:nvSpPr>
         <p:spPr>
           <a:xfrm>
-            <a:off x="645795" y="847514"/>
-            <a:ext cx="205740" cy="48683"/>
+            <a:off x="968693" y="1271270"/>
+            <a:ext cx="308610" cy="73025"/>
           </a:xfrm>
           <a:prstGeom prst="rect">
             <a:avLst/>
@@ -3911,7 +3911,7 @@
           <a:bodyPr vert="horz" lIns="91440" tIns="45720" rIns="91440" bIns="45720" rtlCol="0" anchor="ctr"/>
           <a:lstStyle>
             <a:lvl1pPr algn="r">
-              <a:defRPr sz="120">
+              <a:defRPr sz="180">
                 <a:solidFill>
                   <a:schemeClr val="tx1">
                     <a:tint val="75000"/>
@@ -3932,27 +3932,27 @@
     </p:spTree>
     <p:extLst>
       <p:ext uri="{BB962C8B-B14F-4D97-AF65-F5344CB8AC3E}">
-        <p14:creationId xmlns:p14="http://schemas.microsoft.com/office/powerpoint/2010/main" val="4259924277"/>
+        <p14:creationId xmlns:p14="http://schemas.microsoft.com/office/powerpoint/2010/main" val="1549486062"/>
       </p:ext>
     </p:extLst>
   </p:cSld>
   <p:clrMap bg1="lt1" tx1="dk1" bg2="lt2" tx2="dk2" accent1="accent1" accent2="accent2" accent3="accent3" accent4="accent4" accent5="accent5" accent6="accent6" hlink="hlink" folHlink="folHlink"/>
   <p:sldLayoutIdLst>
-    <p:sldLayoutId id="2147483661" r:id="rId1"/>
-    <p:sldLayoutId id="2147483662" r:id="rId2"/>
-    <p:sldLayoutId id="2147483663" r:id="rId3"/>
-    <p:sldLayoutId id="2147483664" r:id="rId4"/>
-    <p:sldLayoutId id="2147483665" r:id="rId5"/>
-    <p:sldLayoutId id="2147483666" r:id="rId6"/>
-    <p:sldLayoutId id="2147483667" r:id="rId7"/>
-    <p:sldLayoutId id="2147483668" r:id="rId8"/>
-    <p:sldLayoutId id="2147483669" r:id="rId9"/>
-    <p:sldLayoutId id="2147483670" r:id="rId10"/>
-    <p:sldLayoutId id="2147483671" r:id="rId11"/>
+    <p:sldLayoutId id="2147483673" r:id="rId1"/>
+    <p:sldLayoutId id="2147483674" r:id="rId2"/>
+    <p:sldLayoutId id="2147483675" r:id="rId3"/>
+    <p:sldLayoutId id="2147483676" r:id="rId4"/>
+    <p:sldLayoutId id="2147483677" r:id="rId5"/>
+    <p:sldLayoutId id="2147483678" r:id="rId6"/>
+    <p:sldLayoutId id="2147483679" r:id="rId7"/>
+    <p:sldLayoutId id="2147483680" r:id="rId8"/>
+    <p:sldLayoutId id="2147483681" r:id="rId9"/>
+    <p:sldLayoutId id="2147483682" r:id="rId10"/>
+    <p:sldLayoutId id="2147483683" r:id="rId11"/>
   </p:sldLayoutIdLst>
   <p:txStyles>
     <p:titleStyle>
-      <a:lvl1pPr algn="l" defTabSz="91440" rtl="0" eaLnBrk="1" latinLnBrk="0" hangingPunct="1">
+      <a:lvl1pPr algn="l" defTabSz="137160" rtl="0" eaLnBrk="1" latinLnBrk="0" hangingPunct="1">
         <a:lnSpc>
           <a:spcPct val="90000"/>
         </a:lnSpc>
@@ -3960,7 +3960,7 @@
           <a:spcPct val="0"/>
         </a:spcBef>
         <a:buNone/>
-        <a:defRPr sz="440" kern="1200">
+        <a:defRPr sz="660" kern="1200">
           <a:solidFill>
             <a:schemeClr val="tx1"/>
           </a:solidFill>
@@ -3971,16 +3971,16 @@
       </a:lvl1pPr>
     </p:titleStyle>
     <p:bodyStyle>
-      <a:lvl1pPr marL="22860" indent="-22860" algn="l" defTabSz="91440" rtl="0" eaLnBrk="1" latinLnBrk="0" hangingPunct="1">
+      <a:lvl1pPr marL="34290" indent="-34290" algn="l" defTabSz="137160" rtl="0" eaLnBrk="1" latinLnBrk="0" hangingPunct="1">
         <a:lnSpc>
           <a:spcPct val="90000"/>
         </a:lnSpc>
         <a:spcBef>
-          <a:spcPts val="100"/>
+          <a:spcPts val="150"/>
         </a:spcBef>
         <a:buFont typeface="Arial" panose="020B0604020202020204" pitchFamily="34" charset="0"/>
         <a:buChar char="•"/>
-        <a:defRPr sz="280" kern="1200">
+        <a:defRPr sz="420" kern="1200">
           <a:solidFill>
             <a:schemeClr val="tx1"/>
           </a:solidFill>
@@ -3989,16 +3989,16 @@
           <a:cs typeface="+mn-cs"/>
         </a:defRPr>
       </a:lvl1pPr>
-      <a:lvl2pPr marL="68580" indent="-22860" algn="l" defTabSz="91440" rtl="0" eaLnBrk="1" latinLnBrk="0" hangingPunct="1">
+      <a:lvl2pPr marL="102870" indent="-34290" algn="l" defTabSz="137160" rtl="0" eaLnBrk="1" latinLnBrk="0" hangingPunct="1">
         <a:lnSpc>
           <a:spcPct val="90000"/>
         </a:lnSpc>
         <a:spcBef>
-          <a:spcPts val="50"/>
+          <a:spcPts val="75"/>
         </a:spcBef>
         <a:buFont typeface="Arial" panose="020B0604020202020204" pitchFamily="34" charset="0"/>
         <a:buChar char="•"/>
-        <a:defRPr sz="240" kern="1200">
+        <a:defRPr sz="360" kern="1200">
           <a:solidFill>
             <a:schemeClr val="tx1"/>
           </a:solidFill>
@@ -4007,16 +4007,16 @@
           <a:cs typeface="+mn-cs"/>
         </a:defRPr>
       </a:lvl2pPr>
-      <a:lvl3pPr marL="114300" indent="-22860" algn="l" defTabSz="91440" rtl="0" eaLnBrk="1" latinLnBrk="0" hangingPunct="1">
+      <a:lvl3pPr marL="171450" indent="-34290" algn="l" defTabSz="137160" rtl="0" eaLnBrk="1" latinLnBrk="0" hangingPunct="1">
         <a:lnSpc>
           <a:spcPct val="90000"/>
         </a:lnSpc>
         <a:spcBef>
-          <a:spcPts val="50"/>
+          <a:spcPts val="75"/>
         </a:spcBef>
         <a:buFont typeface="Arial" panose="020B0604020202020204" pitchFamily="34" charset="0"/>
         <a:buChar char="•"/>
-        <a:defRPr sz="200" kern="1200">
+        <a:defRPr sz="300" kern="1200">
           <a:solidFill>
             <a:schemeClr val="tx1"/>
           </a:solidFill>
@@ -4025,16 +4025,16 @@
           <a:cs typeface="+mn-cs"/>
         </a:defRPr>
       </a:lvl3pPr>
-      <a:lvl4pPr marL="160020" indent="-22860" algn="l" defTabSz="91440" rtl="0" eaLnBrk="1" latinLnBrk="0" hangingPunct="1">
+      <a:lvl4pPr marL="240030" indent="-34290" algn="l" defTabSz="137160" rtl="0" eaLnBrk="1" latinLnBrk="0" hangingPunct="1">
         <a:lnSpc>
           <a:spcPct val="90000"/>
         </a:lnSpc>
         <a:spcBef>
-          <a:spcPts val="50"/>
+          <a:spcPts val="75"/>
         </a:spcBef>
         <a:buFont typeface="Arial" panose="020B0604020202020204" pitchFamily="34" charset="0"/>
         <a:buChar char="•"/>
-        <a:defRPr sz="180" kern="1200">
+        <a:defRPr sz="270" kern="1200">
           <a:solidFill>
             <a:schemeClr val="tx1"/>
           </a:solidFill>
@@ -4043,16 +4043,16 @@
           <a:cs typeface="+mn-cs"/>
         </a:defRPr>
       </a:lvl4pPr>
-      <a:lvl5pPr marL="205740" indent="-22860" algn="l" defTabSz="91440" rtl="0" eaLnBrk="1" latinLnBrk="0" hangingPunct="1">
+      <a:lvl5pPr marL="308610" indent="-34290" algn="l" defTabSz="137160" rtl="0" eaLnBrk="1" latinLnBrk="0" hangingPunct="1">
         <a:lnSpc>
           <a:spcPct val="90000"/>
         </a:lnSpc>
         <a:spcBef>
-          <a:spcPts val="50"/>
+          <a:spcPts val="75"/>
         </a:spcBef>
         <a:buFont typeface="Arial" panose="020B0604020202020204" pitchFamily="34" charset="0"/>
         <a:buChar char="•"/>
-        <a:defRPr sz="180" kern="1200">
+        <a:defRPr sz="270" kern="1200">
           <a:solidFill>
             <a:schemeClr val="tx1"/>
           </a:solidFill>
@@ -4061,16 +4061,16 @@
           <a:cs typeface="+mn-cs"/>
         </a:defRPr>
       </a:lvl5pPr>
-      <a:lvl6pPr marL="251460" indent="-22860" algn="l" defTabSz="91440" rtl="0" eaLnBrk="1" latinLnBrk="0" hangingPunct="1">
+      <a:lvl6pPr marL="377190" indent="-34290" algn="l" defTabSz="137160" rtl="0" eaLnBrk="1" latinLnBrk="0" hangingPunct="1">
         <a:lnSpc>
           <a:spcPct val="90000"/>
         </a:lnSpc>
         <a:spcBef>
-          <a:spcPts val="50"/>
+          <a:spcPts val="75"/>
         </a:spcBef>
         <a:buFont typeface="Arial" panose="020B0604020202020204" pitchFamily="34" charset="0"/>
         <a:buChar char="•"/>
-        <a:defRPr sz="180" kern="1200">
+        <a:defRPr sz="270" kern="1200">
           <a:solidFill>
             <a:schemeClr val="tx1"/>
           </a:solidFill>
@@ -4079,16 +4079,16 @@
           <a:cs typeface="+mn-cs"/>
         </a:defRPr>
       </a:lvl6pPr>
-      <a:lvl7pPr marL="297180" indent="-22860" algn="l" defTabSz="91440" rtl="0" eaLnBrk="1" latinLnBrk="0" hangingPunct="1">
+      <a:lvl7pPr marL="445770" indent="-34290" algn="l" defTabSz="137160" rtl="0" eaLnBrk="1" latinLnBrk="0" hangingPunct="1">
         <a:lnSpc>
           <a:spcPct val="90000"/>
         </a:lnSpc>
         <a:spcBef>
-          <a:spcPts val="50"/>
+          <a:spcPts val="75"/>
         </a:spcBef>
         <a:buFont typeface="Arial" panose="020B0604020202020204" pitchFamily="34" charset="0"/>
         <a:buChar char="•"/>
-        <a:defRPr sz="180" kern="1200">
+        <a:defRPr sz="270" kern="1200">
           <a:solidFill>
             <a:schemeClr val="tx1"/>
           </a:solidFill>
@@ -4097,16 +4097,16 @@
           <a:cs typeface="+mn-cs"/>
         </a:defRPr>
       </a:lvl7pPr>
-      <a:lvl8pPr marL="342900" indent="-22860" algn="l" defTabSz="91440" rtl="0" eaLnBrk="1" latinLnBrk="0" hangingPunct="1">
+      <a:lvl8pPr marL="514350" indent="-34290" algn="l" defTabSz="137160" rtl="0" eaLnBrk="1" latinLnBrk="0" hangingPunct="1">
         <a:lnSpc>
           <a:spcPct val="90000"/>
         </a:lnSpc>
         <a:spcBef>
-          <a:spcPts val="50"/>
+          <a:spcPts val="75"/>
         </a:spcBef>
         <a:buFont typeface="Arial" panose="020B0604020202020204" pitchFamily="34" charset="0"/>
         <a:buChar char="•"/>
-        <a:defRPr sz="180" kern="1200">
+        <a:defRPr sz="270" kern="1200">
           <a:solidFill>
             <a:schemeClr val="tx1"/>
           </a:solidFill>
@@ -4115,16 +4115,16 @@
           <a:cs typeface="+mn-cs"/>
         </a:defRPr>
       </a:lvl8pPr>
-      <a:lvl9pPr marL="388620" indent="-22860" algn="l" defTabSz="91440" rtl="0" eaLnBrk="1" latinLnBrk="0" hangingPunct="1">
+      <a:lvl9pPr marL="582930" indent="-34290" algn="l" defTabSz="137160" rtl="0" eaLnBrk="1" latinLnBrk="0" hangingPunct="1">
         <a:lnSpc>
           <a:spcPct val="90000"/>
         </a:lnSpc>
         <a:spcBef>
-          <a:spcPts val="50"/>
+          <a:spcPts val="75"/>
         </a:spcBef>
         <a:buFont typeface="Arial" panose="020B0604020202020204" pitchFamily="34" charset="0"/>
         <a:buChar char="•"/>
-        <a:defRPr sz="180" kern="1200">
+        <a:defRPr sz="270" kern="1200">
           <a:solidFill>
             <a:schemeClr val="tx1"/>
           </a:solidFill>
@@ -4138,8 +4138,8 @@
       <a:defPPr>
         <a:defRPr lang="en-US"/>
       </a:defPPr>
-      <a:lvl1pPr marL="0" algn="l" defTabSz="91440" rtl="0" eaLnBrk="1" latinLnBrk="0" hangingPunct="1">
-        <a:defRPr sz="180" kern="1200">
+      <a:lvl1pPr marL="0" algn="l" defTabSz="137160" rtl="0" eaLnBrk="1" latinLnBrk="0" hangingPunct="1">
+        <a:defRPr sz="270" kern="1200">
           <a:solidFill>
             <a:schemeClr val="tx1"/>
           </a:solidFill>
@@ -4148,8 +4148,8 @@
           <a:cs typeface="+mn-cs"/>
         </a:defRPr>
       </a:lvl1pPr>
-      <a:lvl2pPr marL="45720" algn="l" defTabSz="91440" rtl="0" eaLnBrk="1" latinLnBrk="0" hangingPunct="1">
-        <a:defRPr sz="180" kern="1200">
+      <a:lvl2pPr marL="68580" algn="l" defTabSz="137160" rtl="0" eaLnBrk="1" latinLnBrk="0" hangingPunct="1">
+        <a:defRPr sz="270" kern="1200">
           <a:solidFill>
             <a:schemeClr val="tx1"/>
           </a:solidFill>
@@ -4158,8 +4158,8 @@
           <a:cs typeface="+mn-cs"/>
         </a:defRPr>
       </a:lvl2pPr>
-      <a:lvl3pPr marL="91440" algn="l" defTabSz="91440" rtl="0" eaLnBrk="1" latinLnBrk="0" hangingPunct="1">
-        <a:defRPr sz="180" kern="1200">
+      <a:lvl3pPr marL="137160" algn="l" defTabSz="137160" rtl="0" eaLnBrk="1" latinLnBrk="0" hangingPunct="1">
+        <a:defRPr sz="270" kern="1200">
           <a:solidFill>
             <a:schemeClr val="tx1"/>
           </a:solidFill>
@@ -4168,8 +4168,8 @@
           <a:cs typeface="+mn-cs"/>
         </a:defRPr>
       </a:lvl3pPr>
-      <a:lvl4pPr marL="137160" algn="l" defTabSz="91440" rtl="0" eaLnBrk="1" latinLnBrk="0" hangingPunct="1">
-        <a:defRPr sz="180" kern="1200">
+      <a:lvl4pPr marL="205740" algn="l" defTabSz="137160" rtl="0" eaLnBrk="1" latinLnBrk="0" hangingPunct="1">
+        <a:defRPr sz="270" kern="1200">
           <a:solidFill>
             <a:schemeClr val="tx1"/>
           </a:solidFill>
@@ -4178,8 +4178,8 @@
           <a:cs typeface="+mn-cs"/>
         </a:defRPr>
       </a:lvl4pPr>
-      <a:lvl5pPr marL="182880" algn="l" defTabSz="91440" rtl="0" eaLnBrk="1" latinLnBrk="0" hangingPunct="1">
-        <a:defRPr sz="180" kern="1200">
+      <a:lvl5pPr marL="274320" algn="l" defTabSz="137160" rtl="0" eaLnBrk="1" latinLnBrk="0" hangingPunct="1">
+        <a:defRPr sz="270" kern="1200">
           <a:solidFill>
             <a:schemeClr val="tx1"/>
           </a:solidFill>
@@ -4188,8 +4188,8 @@
           <a:cs typeface="+mn-cs"/>
         </a:defRPr>
       </a:lvl5pPr>
-      <a:lvl6pPr marL="228600" algn="l" defTabSz="91440" rtl="0" eaLnBrk="1" latinLnBrk="0" hangingPunct="1">
-        <a:defRPr sz="180" kern="1200">
+      <a:lvl6pPr marL="342900" algn="l" defTabSz="137160" rtl="0" eaLnBrk="1" latinLnBrk="0" hangingPunct="1">
+        <a:defRPr sz="270" kern="1200">
           <a:solidFill>
             <a:schemeClr val="tx1"/>
           </a:solidFill>
@@ -4198,8 +4198,8 @@
           <a:cs typeface="+mn-cs"/>
         </a:defRPr>
       </a:lvl6pPr>
-      <a:lvl7pPr marL="274320" algn="l" defTabSz="91440" rtl="0" eaLnBrk="1" latinLnBrk="0" hangingPunct="1">
-        <a:defRPr sz="180" kern="1200">
+      <a:lvl7pPr marL="411480" algn="l" defTabSz="137160" rtl="0" eaLnBrk="1" latinLnBrk="0" hangingPunct="1">
+        <a:defRPr sz="270" kern="1200">
           <a:solidFill>
             <a:schemeClr val="tx1"/>
           </a:solidFill>
@@ -4208,8 +4208,8 @@
           <a:cs typeface="+mn-cs"/>
         </a:defRPr>
       </a:lvl7pPr>
-      <a:lvl8pPr marL="320040" algn="l" defTabSz="91440" rtl="0" eaLnBrk="1" latinLnBrk="0" hangingPunct="1">
-        <a:defRPr sz="180" kern="1200">
+      <a:lvl8pPr marL="480060" algn="l" defTabSz="137160" rtl="0" eaLnBrk="1" latinLnBrk="0" hangingPunct="1">
+        <a:defRPr sz="270" kern="1200">
           <a:solidFill>
             <a:schemeClr val="tx1"/>
           </a:solidFill>
@@ -4218,8 +4218,8 @@
           <a:cs typeface="+mn-cs"/>
         </a:defRPr>
       </a:lvl8pPr>
-      <a:lvl9pPr marL="365760" algn="l" defTabSz="91440" rtl="0" eaLnBrk="1" latinLnBrk="0" hangingPunct="1">
-        <a:defRPr sz="180" kern="1200">
+      <a:lvl9pPr marL="548640" algn="l" defTabSz="137160" rtl="0" eaLnBrk="1" latinLnBrk="0" hangingPunct="1">
+        <a:defRPr sz="270" kern="1200">
           <a:solidFill>
             <a:schemeClr val="tx1"/>
           </a:solidFill>
@@ -4279,7 +4279,7 @@
         <p:spPr>
           <a:xfrm>
             <a:off x="0" y="0"/>
-            <a:ext cx="914400" cy="914400"/>
+            <a:ext cx="1371600" cy="1371600"/>
           </a:xfrm>
           <a:prstGeom prst="rect">
             <a:avLst/>
@@ -4345,7 +4345,7 @@
         <p:spPr>
           <a:xfrm>
             <a:off x="0" y="0"/>
-            <a:ext cx="914400" cy="914400"/>
+            <a:ext cx="1371600" cy="1371600"/>
           </a:xfrm>
           <a:prstGeom prst="rect">
             <a:avLst/>
@@ -4384,10 +4384,10 @@
       </p:grpSpPr>
       <p:pic>
         <p:nvPicPr>
-          <p:cNvPr id="3" name="图片 2">
+          <p:cNvPr id="10" name="图片 9">
             <a:extLst>
               <a:ext uri="{FF2B5EF4-FFF2-40B4-BE49-F238E27FC236}">
-                <a16:creationId xmlns:a16="http://schemas.microsoft.com/office/drawing/2014/main" id="{FD00C6BB-9D32-7FD3-E4CE-240ACB3FCBC1}"/>
+                <a16:creationId xmlns:a16="http://schemas.microsoft.com/office/drawing/2014/main" id="{9C5F4090-FF55-673D-738B-31A1F561AC40}"/>
               </a:ext>
             </a:extLst>
           </p:cNvPr>
@@ -4411,7 +4411,7 @@
         <p:spPr>
           <a:xfrm>
             <a:off x="0" y="0"/>
-            <a:ext cx="914400" cy="914400"/>
+            <a:ext cx="1371600" cy="1371600"/>
           </a:xfrm>
           <a:prstGeom prst="rect">
             <a:avLst/>
@@ -4477,7 +4477,7 @@
         <p:spPr>
           <a:xfrm>
             <a:off x="0" y="0"/>
-            <a:ext cx="914400" cy="914400"/>
+            <a:ext cx="1371600" cy="1371600"/>
           </a:xfrm>
           <a:prstGeom prst="rect">
             <a:avLst/>
@@ -4536,14 +4536,13 @@
               </a:ext>
             </a:extLst>
           </a:blip>
-          <a:stretch>
-            <a:fillRect/>
-          </a:stretch>
+          <a:srcRect/>
+          <a:stretch/>
         </p:blipFill>
         <p:spPr>
           <a:xfrm>
             <a:off x="0" y="0"/>
-            <a:ext cx="914400" cy="914400"/>
+            <a:ext cx="1371600" cy="1371600"/>
           </a:xfrm>
           <a:prstGeom prst="rect">
             <a:avLst/>
@@ -4609,7 +4608,7 @@
         <p:spPr>
           <a:xfrm>
             <a:off x="0" y="0"/>
-            <a:ext cx="914400" cy="914400"/>
+            <a:ext cx="1371600" cy="1371600"/>
           </a:xfrm>
           <a:prstGeom prst="rect">
             <a:avLst/>
@@ -4675,7 +4674,7 @@
         <p:spPr>
           <a:xfrm>
             <a:off x="0" y="0"/>
-            <a:ext cx="914400" cy="914400"/>
+            <a:ext cx="1371600" cy="1371600"/>
           </a:xfrm>
           <a:prstGeom prst="rect">
             <a:avLst/>
@@ -4741,7 +4740,7 @@
         <p:spPr>
           <a:xfrm>
             <a:off x="0" y="0"/>
-            <a:ext cx="914400" cy="914400"/>
+            <a:ext cx="1371600" cy="1371600"/>
           </a:xfrm>
           <a:prstGeom prst="rect">
             <a:avLst/>
@@ -4807,7 +4806,7 @@
         <p:spPr>
           <a:xfrm>
             <a:off x="0" y="0"/>
-            <a:ext cx="914400" cy="914400"/>
+            <a:ext cx="1371600" cy="1371600"/>
           </a:xfrm>
           <a:prstGeom prst="rect">
             <a:avLst/>
@@ -4846,10 +4845,10 @@
       </p:grpSpPr>
       <p:pic>
         <p:nvPicPr>
-          <p:cNvPr id="3" name="图片 2">
+          <p:cNvPr id="6" name="图片 5">
             <a:extLst>
               <a:ext uri="{FF2B5EF4-FFF2-40B4-BE49-F238E27FC236}">
-                <a16:creationId xmlns:a16="http://schemas.microsoft.com/office/drawing/2014/main" id="{BB0EC631-CB75-62F5-3F74-5E926B613CE3}"/>
+                <a16:creationId xmlns:a16="http://schemas.microsoft.com/office/drawing/2014/main" id="{8365C112-4F95-77AE-3901-1E6881CEFC66}"/>
               </a:ext>
             </a:extLst>
           </p:cNvPr>
@@ -4866,18 +4865,18 @@
               </a:ext>
             </a:extLst>
           </a:blip>
-          <a:srcRect/>
-          <a:stretch/>
+          <a:stretch>
+            <a:fillRect/>
+          </a:stretch>
         </p:blipFill>
         <p:spPr>
           <a:xfrm>
             <a:off x="0" y="0"/>
-            <a:ext cx="914400" cy="914400"/>
+            <a:ext cx="1371600" cy="1371600"/>
           </a:xfrm>
           <a:prstGeom prst="rect">
             <a:avLst/>
           </a:prstGeom>
-          <a:noFill/>
         </p:spPr>
       </p:pic>
     </p:spTree>
